--- a/08_ActivateModel/08_ActivateModel.pptx
+++ b/08_ActivateModel/08_ActivateModel.pptx
@@ -219,7 +219,7 @@
             <a:fld id="{6837EDA8-41C8-4B24-A206-13C08A65A6D7}" type="datetimeFigureOut">
               <a:rPr lang="zh-TW" altLang="en-US" smtClean="0"/>
               <a:pPr/>
-              <a:t>2019/5/24</a:t>
+              <a:t>2019/5/28</a:t>
             </a:fld>
             <a:endParaRPr lang="zh-TW" altLang="en-US"/>
           </a:p>
@@ -672,7 +672,7 @@
             <a:fld id="{8B85509C-BD4F-47BF-9B1E-FC2E949B3621}" type="datetime1">
               <a:rPr lang="zh-TW" altLang="en-US" smtClean="0"/>
               <a:pPr/>
-              <a:t>2019/5/24</a:t>
+              <a:t>2019/5/28</a:t>
             </a:fld>
             <a:endParaRPr lang="zh-TW" altLang="en-US"/>
           </a:p>
@@ -845,7 +845,7 @@
             <a:fld id="{42251B24-F787-4C15-8A0F-7AEC20C70069}" type="datetime1">
               <a:rPr lang="zh-TW" altLang="en-US" smtClean="0"/>
               <a:pPr/>
-              <a:t>2019/5/24</a:t>
+              <a:t>2019/5/28</a:t>
             </a:fld>
             <a:endParaRPr lang="zh-TW" altLang="en-US"/>
           </a:p>
@@ -1020,7 +1020,7 @@
             <a:fld id="{9CA0D33C-CE2B-45F1-B8D4-FFD1F131F331}" type="datetime1">
               <a:rPr lang="zh-TW" altLang="en-US" smtClean="0"/>
               <a:pPr/>
-              <a:t>2019/5/24</a:t>
+              <a:t>2019/5/28</a:t>
             </a:fld>
             <a:endParaRPr lang="zh-TW" altLang="en-US"/>
           </a:p>
@@ -1185,7 +1185,7 @@
             <a:fld id="{50B99440-D9EF-40CC-9B52-F6428D9B2C76}" type="datetime1">
               <a:rPr lang="zh-TW" altLang="en-US" smtClean="0"/>
               <a:pPr/>
-              <a:t>2019/5/24</a:t>
+              <a:t>2019/5/28</a:t>
             </a:fld>
             <a:endParaRPr lang="zh-TW" altLang="en-US"/>
           </a:p>
@@ -1427,7 +1427,7 @@
             <a:fld id="{0871BF52-5C6C-4959-8E27-CECB68D39FE4}" type="datetime1">
               <a:rPr lang="zh-TW" altLang="en-US" smtClean="0"/>
               <a:pPr/>
-              <a:t>2019/5/24</a:t>
+              <a:t>2019/5/28</a:t>
             </a:fld>
             <a:endParaRPr lang="zh-TW" altLang="en-US"/>
           </a:p>
@@ -1709,7 +1709,7 @@
             <a:fld id="{DF863F05-2DD9-4EB1-A827-12FD992DE9DC}" type="datetime1">
               <a:rPr lang="zh-TW" altLang="en-US" smtClean="0"/>
               <a:pPr/>
-              <a:t>2019/5/24</a:t>
+              <a:t>2019/5/28</a:t>
             </a:fld>
             <a:endParaRPr lang="zh-TW" altLang="en-US"/>
           </a:p>
@@ -2125,7 +2125,7 @@
             <a:fld id="{6339AF51-4491-4873-A096-75DB6CE47516}" type="datetime1">
               <a:rPr lang="zh-TW" altLang="en-US" smtClean="0"/>
               <a:pPr/>
-              <a:t>2019/5/24</a:t>
+              <a:t>2019/5/28</a:t>
             </a:fld>
             <a:endParaRPr lang="zh-TW" altLang="en-US"/>
           </a:p>
@@ -2239,7 +2239,7 @@
             <a:fld id="{EE4AD9C8-8B9E-40FF-ABE2-858AC2057BBB}" type="datetime1">
               <a:rPr lang="zh-TW" altLang="en-US" smtClean="0"/>
               <a:pPr/>
-              <a:t>2019/5/24</a:t>
+              <a:t>2019/5/28</a:t>
             </a:fld>
             <a:endParaRPr lang="zh-TW" altLang="en-US"/>
           </a:p>
@@ -2331,7 +2331,7 @@
             <a:fld id="{B4784999-BBBE-4BE4-A8D0-877E7D1D66CC}" type="datetime1">
               <a:rPr lang="zh-TW" altLang="en-US" smtClean="0"/>
               <a:pPr/>
-              <a:t>2019/5/24</a:t>
+              <a:t>2019/5/28</a:t>
             </a:fld>
             <a:endParaRPr lang="zh-TW" altLang="en-US"/>
           </a:p>
@@ -2603,7 +2603,7 @@
             <a:fld id="{E88D17E6-02BD-4944-B9FE-7BFCCBF83D48}" type="datetime1">
               <a:rPr lang="zh-TW" altLang="en-US" smtClean="0"/>
               <a:pPr/>
-              <a:t>2019/5/24</a:t>
+              <a:t>2019/5/28</a:t>
             </a:fld>
             <a:endParaRPr lang="zh-TW" altLang="en-US"/>
           </a:p>
@@ -2852,7 +2852,7 @@
             <a:fld id="{3C13E23D-1FEF-4D78-A3A3-3D6F2BB31954}" type="datetime1">
               <a:rPr lang="zh-TW" altLang="en-US" smtClean="0"/>
               <a:pPr/>
-              <a:t>2019/5/24</a:t>
+              <a:t>2019/5/28</a:t>
             </a:fld>
             <a:endParaRPr lang="zh-TW" altLang="en-US"/>
           </a:p>
@@ -3060,7 +3060,7 @@
             <a:fld id="{06197F35-AD6F-4594-8B50-334492D2E7E8}" type="datetime1">
               <a:rPr lang="zh-TW" altLang="en-US" smtClean="0"/>
               <a:pPr/>
-              <a:t>2019/5/24</a:t>
+              <a:t>2019/5/28</a:t>
             </a:fld>
             <a:endParaRPr lang="zh-TW" altLang="en-US"/>
           </a:p>
@@ -3521,7 +3521,7 @@
             <a:fld id="{C389EDC9-19E3-47AC-9C57-C6A24DEA81AD}" type="datetime1">
               <a:rPr lang="zh-TW" altLang="en-US" smtClean="0"/>
               <a:pPr/>
-              <a:t>2019/5/24</a:t>
+              <a:t>2019/5/28</a:t>
             </a:fld>
             <a:endParaRPr lang="zh-TW" altLang="en-US"/>
           </a:p>
@@ -3831,7 +3831,7 @@
             <a:fld id="{A4F910E6-8D00-4BAF-8C48-9688E0B449D3}" type="datetime1">
               <a:rPr lang="zh-TW" altLang="en-US" smtClean="0"/>
               <a:pPr/>
-              <a:t>2019/5/24</a:t>
+              <a:t>2019/5/28</a:t>
             </a:fld>
             <a:endParaRPr lang="zh-TW" altLang="en-US"/>
           </a:p>
@@ -3978,7 +3978,7 @@
             <a:fld id="{4E46BE27-E923-4EC2-B046-3272AE2A3E5C}" type="datetime1">
               <a:rPr lang="zh-TW" altLang="en-US" smtClean="0"/>
               <a:pPr/>
-              <a:t>2019/5/24</a:t>
+              <a:t>2019/5/28</a:t>
             </a:fld>
             <a:endParaRPr lang="zh-TW" altLang="en-US"/>
           </a:p>
@@ -4172,7 +4172,23 @@
                   <a:schemeClr val="tx1"/>
                 </a:solidFill>
               </a:rPr>
-              <a:t>In the last section, we setup the model in the models.py.</a:t>
+              <a:t>This </a:t>
+            </a:r>
+            <a:r>
+              <a:rPr lang="en-US" sz="1800">
+                <a:solidFill>
+                  <a:schemeClr val="tx1"/>
+                </a:solidFill>
+              </a:rPr>
+              <a:t>section sets up </a:t>
+            </a:r>
+            <a:r>
+              <a:rPr lang="en-US" sz="1800" dirty="0">
+                <a:solidFill>
+                  <a:schemeClr val="tx1"/>
+                </a:solidFill>
+              </a:rPr>
+              <a:t>the model in the models.py.</a:t>
             </a:r>
           </a:p>
           <a:p>
@@ -4275,7 +4291,7 @@
             <a:fld id="{A4F910E6-8D00-4BAF-8C48-9688E0B449D3}" type="datetime1">
               <a:rPr lang="zh-TW" altLang="en-US" smtClean="0"/>
               <a:pPr/>
-              <a:t>2019/5/24</a:t>
+              <a:t>2019/5/28</a:t>
             </a:fld>
             <a:endParaRPr lang="zh-TW" altLang="en-US"/>
           </a:p>
@@ -4665,7 +4681,7 @@
             <a:fld id="{A4F910E6-8D00-4BAF-8C48-9688E0B449D3}" type="datetime1">
               <a:rPr lang="zh-TW" altLang="en-US" smtClean="0"/>
               <a:pPr/>
-              <a:t>2019/5/24</a:t>
+              <a:t>2019/5/28</a:t>
             </a:fld>
             <a:endParaRPr lang="zh-TW" altLang="en-US"/>
           </a:p>
@@ -5183,7 +5199,7 @@
             <a:fld id="{A4F910E6-8D00-4BAF-8C48-9688E0B449D3}" type="datetime1">
               <a:rPr lang="zh-TW" altLang="en-US" smtClean="0"/>
               <a:pPr/>
-              <a:t>2019/5/24</a:t>
+              <a:t>2019/5/28</a:t>
             </a:fld>
             <a:endParaRPr lang="zh-TW" altLang="en-US"/>
           </a:p>
@@ -5509,7 +5525,7 @@
             <a:fld id="{A4F910E6-8D00-4BAF-8C48-9688E0B449D3}" type="datetime1">
               <a:rPr lang="zh-TW" altLang="en-US" smtClean="0"/>
               <a:pPr/>
-              <a:t>2019/5/24</a:t>
+              <a:t>2019/5/28</a:t>
             </a:fld>
             <a:endParaRPr lang="zh-TW" altLang="en-US"/>
           </a:p>
@@ -6182,7 +6198,7 @@
             <a:fld id="{A4F910E6-8D00-4BAF-8C48-9688E0B449D3}" type="datetime1">
               <a:rPr lang="zh-TW" altLang="en-US" smtClean="0"/>
               <a:pPr/>
-              <a:t>2019/5/24</a:t>
+              <a:t>2019/5/28</a:t>
             </a:fld>
             <a:endParaRPr lang="zh-TW" altLang="en-US"/>
           </a:p>
@@ -6648,7 +6664,7 @@
             <a:fld id="{A4F910E6-8D00-4BAF-8C48-9688E0B449D3}" type="datetime1">
               <a:rPr lang="zh-TW" altLang="en-US" smtClean="0"/>
               <a:pPr/>
-              <a:t>2019/5/24</a:t>
+              <a:t>2019/5/28</a:t>
             </a:fld>
             <a:endParaRPr lang="zh-TW" altLang="en-US"/>
           </a:p>
@@ -7149,7 +7165,7 @@
             <a:fld id="{A4F910E6-8D00-4BAF-8C48-9688E0B449D3}" type="datetime1">
               <a:rPr lang="zh-TW" altLang="en-US" smtClean="0"/>
               <a:pPr/>
-              <a:t>2019/5/24</a:t>
+              <a:t>2019/5/28</a:t>
             </a:fld>
             <a:endParaRPr lang="zh-TW" altLang="en-US"/>
           </a:p>
@@ -7694,7 +7710,7 @@
             <a:fld id="{A4F910E6-8D00-4BAF-8C48-9688E0B449D3}" type="datetime1">
               <a:rPr lang="zh-TW" altLang="en-US" smtClean="0"/>
               <a:pPr/>
-              <a:t>2019/5/24</a:t>
+              <a:t>2019/5/28</a:t>
             </a:fld>
             <a:endParaRPr lang="zh-TW" altLang="en-US"/>
           </a:p>
